--- a/Documentations/Hotel Guest Management System.pptx
+++ b/Documentations/Hotel Guest Management System.pptx
@@ -5,10 +5,10 @@
     <p:sldMasterId id="2147483648" r:id="rId1"/>
   </p:sldMasterIdLst>
   <p:notesMasterIdLst>
-    <p:notesMasterId r:id="rId14"/>
+    <p:notesMasterId r:id="rId15"/>
   </p:notesMasterIdLst>
   <p:handoutMasterIdLst>
-    <p:handoutMasterId r:id="rId15"/>
+    <p:handoutMasterId r:id="rId16"/>
   </p:handoutMasterIdLst>
   <p:sldIdLst>
     <p:sldId id="265" r:id="rId2"/>
@@ -22,12 +22,13 @@
     <p:sldId id="317" r:id="rId10"/>
     <p:sldId id="318" r:id="rId11"/>
     <p:sldId id="319" r:id="rId12"/>
-    <p:sldId id="320" r:id="rId13"/>
+    <p:sldId id="321" r:id="rId13"/>
+    <p:sldId id="320" r:id="rId14"/>
   </p:sldIdLst>
   <p:sldSz cx="12188825" cy="6858000"/>
   <p:notesSz cx="6858000" cy="9144000"/>
   <p:custDataLst>
-    <p:tags r:id="rId16"/>
+    <p:tags r:id="rId17"/>
   </p:custDataLst>
   <p:defaultTextStyle>
     <a:defPPr>
@@ -4015,6 +4016,15 @@
               <a:t>Samson Tulu</a:t>
             </a:r>
           </a:p>
+          <a:p>
+            <a:endParaRPr lang="it-IT" dirty="0"/>
+          </a:p>
+          <a:p>
+            <a:r>
+              <a:rPr lang="it-IT" dirty="0"/>
+              <a:t>https://github.com/SamTulu/Hotel-Guest-Management-System-.git</a:t>
+            </a:r>
+          </a:p>
         </p:txBody>
       </p:sp>
     </p:spTree>
@@ -4196,10 +4206,10 @@
       </p:sp>
       <p:pic>
         <p:nvPicPr>
-          <p:cNvPr id="6" name="Content Placeholder 5" descr="A screenshot of a social media post&#10;&#10;Description automatically generated">
+          <p:cNvPr id="15" name="Content Placeholder 14" descr="A close up of text on a white surface&#10;&#10;Description automatically generated">
             <a:extLst>
               <a:ext uri="{FF2B5EF4-FFF2-40B4-BE49-F238E27FC236}">
-                <a16:creationId xmlns:a16="http://schemas.microsoft.com/office/drawing/2014/main" id="{CB9EBCD4-467E-47CC-A36E-DEBC11B4D7DF}"/>
+                <a16:creationId xmlns:a16="http://schemas.microsoft.com/office/drawing/2014/main" id="{B3D9BCFB-98B3-473D-B5C9-444FC0C9A314}"/>
               </a:ext>
             </a:extLst>
           </p:cNvPr>
@@ -4211,7 +4221,7 @@
           </p:nvPr>
         </p:nvPicPr>
         <p:blipFill>
-          <a:blip r:embed="rId2" cstate="print">
+          <a:blip r:embed="rId2">
             <a:extLst>
               <a:ext uri="{28A0092B-C50C-407E-A947-70E740481C1C}">
                 <a14:useLocalDpi xmlns:a14="http://schemas.microsoft.com/office/drawing/2010/main" val="0"/>
@@ -4224,8 +4234,8 @@
         </p:blipFill>
         <p:spPr>
           <a:xfrm>
-            <a:off x="1370012" y="1905000"/>
-            <a:ext cx="8382000" cy="4572000"/>
+            <a:off x="1141412" y="1905000"/>
+            <a:ext cx="8915400" cy="4572000"/>
           </a:xfrm>
         </p:spPr>
       </p:pic>
@@ -4255,6 +4265,80 @@
 </file>
 
 <file path=ppt/slides/slide12.xml><?xml version="1.0" encoding="utf-8"?>
+<p:sld xmlns:a="http://schemas.openxmlformats.org/drawingml/2006/main" xmlns:r="http://schemas.openxmlformats.org/officeDocument/2006/relationships" xmlns:p="http://schemas.openxmlformats.org/presentationml/2006/main">
+  <p:cSld>
+    <p:spTree>
+      <p:nvGrpSpPr>
+        <p:cNvPr id="1" name=""/>
+        <p:cNvGrpSpPr/>
+        <p:nvPr/>
+      </p:nvGrpSpPr>
+      <p:grpSpPr>
+        <a:xfrm>
+          <a:off x="0" y="0"/>
+          <a:ext cx="0" cy="0"/>
+          <a:chOff x="0" y="0"/>
+          <a:chExt cx="0" cy="0"/>
+        </a:xfrm>
+      </p:grpSpPr>
+      <p:sp>
+        <p:nvSpPr>
+          <p:cNvPr id="4" name="Title 3">
+            <a:extLst>
+              <a:ext uri="{FF2B5EF4-FFF2-40B4-BE49-F238E27FC236}">
+                <a16:creationId xmlns:a16="http://schemas.microsoft.com/office/drawing/2014/main" id="{B41224CB-2F7A-4B9D-8546-40DB79DF1FDC}"/>
+              </a:ext>
+            </a:extLst>
+          </p:cNvPr>
+          <p:cNvSpPr>
+            <a:spLocks noGrp="1"/>
+          </p:cNvSpPr>
+          <p:nvPr>
+            <p:ph type="ctrTitle"/>
+          </p:nvPr>
+        </p:nvSpPr>
+        <p:spPr/>
+        <p:txBody>
+          <a:bodyPr/>
+          <a:lstStyle/>
+          <a:p>
+            <a:r>
+              <a:rPr lang="en-US" dirty="0"/>
+              <a:t>                 </a:t>
+            </a:r>
+            <a:r>
+              <a:rPr lang="en-US" b="1" dirty="0"/>
+              <a:t>Q&amp;A?</a:t>
+            </a:r>
+          </a:p>
+        </p:txBody>
+      </p:sp>
+    </p:spTree>
+    <p:extLst>
+      <p:ext uri="{BB962C8B-B14F-4D97-AF65-F5344CB8AC3E}">
+        <p14:creationId xmlns:p14="http://schemas.microsoft.com/office/powerpoint/2010/main" val="1894783136"/>
+      </p:ext>
+    </p:extLst>
+  </p:cSld>
+  <p:clrMapOvr>
+    <a:masterClrMapping/>
+  </p:clrMapOvr>
+  <mc:AlternateContent xmlns:mc="http://schemas.openxmlformats.org/markup-compatibility/2006" xmlns:p14="http://schemas.microsoft.com/office/powerpoint/2010/main">
+    <mc:Choice Requires="p14">
+      <p:transition spd="med" p14:dur="700">
+        <p:fade/>
+      </p:transition>
+    </mc:Choice>
+    <mc:Fallback xmlns="">
+      <p:transition spd="med">
+        <p:fade/>
+      </p:transition>
+    </mc:Fallback>
+  </mc:AlternateContent>
+</p:sld>
+</file>
+
+<file path=ppt/slides/slide13.xml><?xml version="1.0" encoding="utf-8"?>
 <p:sld xmlns:a="http://schemas.openxmlformats.org/drawingml/2006/main" xmlns:r="http://schemas.openxmlformats.org/officeDocument/2006/relationships" xmlns:p="http://schemas.openxmlformats.org/presentationml/2006/main">
   <p:cSld>
     <p:spTree>
@@ -4889,7 +4973,7 @@
           <a:p>
             <a:r>
               <a:rPr lang="en-US" dirty="0"/>
-              <a:t>Architectural Analysis Diagram</a:t>
+              <a:t>System Architecture Diagram</a:t>
             </a:r>
           </a:p>
         </p:txBody>

--- a/Documentations/Hotel Guest Management System.pptx
+++ b/Documentations/Hotel Guest Management System.pptx
@@ -229,7 +229,7 @@
           <a:p>
             <a:fld id="{59088EAF-6ECA-4616-85EF-35AA19C641F3}" type="datetimeFigureOut">
               <a:rPr lang="en-US"/>
-              <a:t>6/5/2020</a:t>
+              <a:t>6/16/2020</a:t>
             </a:fld>
             <a:endParaRPr/>
           </a:p>
@@ -394,7 +394,7 @@
           <a:p>
             <a:fld id="{3ABD2D7A-D230-4F91-BD59-0A39C2703BA8}" type="datetimeFigureOut">
               <a:rPr lang="en-US"/>
-              <a:t>6/5/2020</a:t>
+              <a:t>6/16/2020</a:t>
             </a:fld>
             <a:endParaRPr/>
           </a:p>
@@ -1003,7 +1003,7 @@
           <a:p>
             <a:fld id="{03F41C87-7AD9-4845-A077-840E4A0F3F06}" type="datetimeFigureOut">
               <a:rPr lang="en-US"/>
-              <a:t>6/5/2020</a:t>
+              <a:t>6/16/2020</a:t>
             </a:fld>
             <a:endParaRPr/>
           </a:p>
@@ -1195,7 +1195,7 @@
           <a:p>
             <a:fld id="{03F41C87-7AD9-4845-A077-840E4A0F3F06}" type="datetimeFigureOut">
               <a:rPr lang="en-US"/>
-              <a:t>6/5/2020</a:t>
+              <a:t>6/16/2020</a:t>
             </a:fld>
             <a:endParaRPr/>
           </a:p>
@@ -1384,7 +1384,7 @@
           <a:p>
             <a:fld id="{03F41C87-7AD9-4845-A077-840E4A0F3F06}" type="datetimeFigureOut">
               <a:rPr lang="en-US"/>
-              <a:t>6/5/2020</a:t>
+              <a:t>6/16/2020</a:t>
             </a:fld>
             <a:endParaRPr/>
           </a:p>
@@ -1664,7 +1664,7 @@
           <a:p>
             <a:fld id="{03F41C87-7AD9-4845-A077-840E4A0F3F06}" type="datetimeFigureOut">
               <a:rPr lang="en-US"/>
-              <a:t>6/5/2020</a:t>
+              <a:t>6/16/2020</a:t>
             </a:fld>
             <a:endParaRPr/>
           </a:p>
@@ -1968,7 +1968,7 @@
           <a:p>
             <a:fld id="{03F41C87-7AD9-4845-A077-840E4A0F3F06}" type="datetimeFigureOut">
               <a:rPr lang="en-US"/>
-              <a:t>6/5/2020</a:t>
+              <a:t>6/16/2020</a:t>
             </a:fld>
             <a:endParaRPr/>
           </a:p>
@@ -2424,7 +2424,7 @@
           <a:p>
             <a:fld id="{03F41C87-7AD9-4845-A077-840E4A0F3F06}" type="datetimeFigureOut">
               <a:rPr lang="en-US"/>
-              <a:t>6/5/2020</a:t>
+              <a:t>6/16/2020</a:t>
             </a:fld>
             <a:endParaRPr/>
           </a:p>
@@ -2554,7 +2554,7 @@
           <a:p>
             <a:fld id="{03F41C87-7AD9-4845-A077-840E4A0F3F06}" type="datetimeFigureOut">
               <a:rPr lang="en-US"/>
-              <a:t>6/5/2020</a:t>
+              <a:t>6/16/2020</a:t>
             </a:fld>
             <a:endParaRPr/>
           </a:p>
@@ -2669,7 +2669,7 @@
           <a:p>
             <a:fld id="{03F41C87-7AD9-4845-A077-840E4A0F3F06}" type="datetimeFigureOut">
               <a:rPr lang="en-US"/>
-              <a:t>6/5/2020</a:t>
+              <a:t>6/16/2020</a:t>
             </a:fld>
             <a:endParaRPr/>
           </a:p>
@@ -2991,7 +2991,7 @@
           <a:p>
             <a:fld id="{03F41C87-7AD9-4845-A077-840E4A0F3F06}" type="datetimeFigureOut">
               <a:rPr lang="en-US"/>
-              <a:t>6/5/2020</a:t>
+              <a:t>6/16/2020</a:t>
             </a:fld>
             <a:endParaRPr/>
           </a:p>
@@ -3303,7 +3303,7 @@
             <a:fld id="{03F41C87-7AD9-4845-A077-840E4A0F3F06}" type="datetimeFigureOut">
               <a:rPr lang="en-US"/>
               <a:pPr/>
-              <a:t>6/5/2020</a:t>
+              <a:t>6/16/2020</a:t>
             </a:fld>
             <a:endParaRPr/>
           </a:p>
@@ -3557,7 +3557,7 @@
             <a:fld id="{03F41C87-7AD9-4845-A077-840E4A0F3F06}" type="datetimeFigureOut">
               <a:rPr lang="en-US" smtClean="0"/>
               <a:pPr/>
-              <a:t>6/5/2020</a:t>
+              <a:t>6/16/2020</a:t>
             </a:fld>
             <a:endParaRPr lang="en-US"/>
           </a:p>
@@ -4980,10 +4980,10 @@
       </p:sp>
       <p:pic>
         <p:nvPicPr>
-          <p:cNvPr id="8" name="Content Placeholder 7" descr="A close up of a piece of paper&#10;&#10;Description automatically generated">
+          <p:cNvPr id="6" name="Content Placeholder 5" descr="A close up of text on a white background&#10;&#10;Description automatically generated">
             <a:extLst>
               <a:ext uri="{FF2B5EF4-FFF2-40B4-BE49-F238E27FC236}">
-                <a16:creationId xmlns:a16="http://schemas.microsoft.com/office/drawing/2014/main" id="{B5ADFB5B-22BB-43C0-8315-05EF01C097E0}"/>
+                <a16:creationId xmlns:a16="http://schemas.microsoft.com/office/drawing/2014/main" id="{6D8392F7-D25A-46F2-8EEC-97A2B20AFDD0}"/>
               </a:ext>
             </a:extLst>
           </p:cNvPr>
@@ -5008,8 +5008,8 @@
         </p:blipFill>
         <p:spPr>
           <a:xfrm>
-            <a:off x="1979612" y="1905000"/>
-            <a:ext cx="7543800" cy="4343400"/>
+            <a:off x="2436812" y="1828800"/>
+            <a:ext cx="8001000" cy="4572000"/>
           </a:xfrm>
         </p:spPr>
       </p:pic>
@@ -5250,10 +5250,10 @@
       </p:sp>
       <p:pic>
         <p:nvPicPr>
-          <p:cNvPr id="3" name="Content Placeholder 2" descr="A close up of text on a white background&#10;&#10;Description automatically generated">
+          <p:cNvPr id="7" name="Content Placeholder 6" descr="A close up of text on a white background&#10;&#10;Description automatically generated">
             <a:extLst>
               <a:ext uri="{FF2B5EF4-FFF2-40B4-BE49-F238E27FC236}">
-                <a16:creationId xmlns:a16="http://schemas.microsoft.com/office/drawing/2014/main" id="{DC87AEAE-7429-4825-86AF-CE0EAD237F51}"/>
+                <a16:creationId xmlns:a16="http://schemas.microsoft.com/office/drawing/2014/main" id="{661E63B9-EC8D-4416-B271-19DE69C1F62F}"/>
               </a:ext>
             </a:extLst>
           </p:cNvPr>
@@ -5278,8 +5278,8 @@
         </p:blipFill>
         <p:spPr>
           <a:xfrm>
-            <a:off x="1751013" y="1905000"/>
-            <a:ext cx="8382000" cy="4343400"/>
+            <a:off x="3352300" y="1905000"/>
+            <a:ext cx="5474701" cy="4114800"/>
           </a:xfrm>
         </p:spPr>
       </p:pic>
